--- a/templates/mantix4_report_template.pptx
+++ b/templates/mantix4_report_template.pptx
@@ -5178,8 +5178,8 @@
         </p:nvSpPr>
         <p:spPr>
           <a:xfrm>
-            <a:off x="1545336" y="1234440"/>
-            <a:ext cx="6053328" cy="1828800"/>
+            <a:off x="1545336" y="1115568"/>
+            <a:ext cx="6053328" cy="685800"/>
           </a:xfrm>
           <a:prstGeom prst="rect">
             <a:avLst/>
@@ -5231,7 +5231,61 @@
       </p:sp>
       <p:sp>
         <p:nvSpPr>
-          <p:cNvPr id="8" name="footer_bar"/>
+          <p:cNvPr id="8" name="required_patches_chart"/>
+          <p:cNvSpPr/>
+          <p:nvPr/>
+        </p:nvSpPr>
+        <p:spPr>
+          <a:xfrm>
+            <a:off x="1545336" y="2217420"/>
+            <a:ext cx="6053328" cy="2011680"/>
+          </a:xfrm>
+          <a:prstGeom prst="roundRect">
+            <a:avLst/>
+          </a:prstGeom>
+          <a:noFill/>
+          <a:ln w="12700" dash="dash">
+            <a:solidFill>
+              <a:srgbClr val="BFBFBF"/>
+            </a:solidFill>
+            <a:prstDash val="dash"/>
+          </a:ln>
+        </p:spPr>
+        <p:style>
+          <a:lnRef idx="1">
+            <a:schemeClr val="accent1"/>
+          </a:lnRef>
+          <a:fillRef idx="3">
+            <a:schemeClr val="accent1"/>
+          </a:fillRef>
+          <a:effectRef idx="2">
+            <a:schemeClr val="accent1"/>
+          </a:effectRef>
+          <a:fontRef idx="minor">
+            <a:schemeClr val="lt1"/>
+          </a:fontRef>
+        </p:style>
+        <p:txBody>
+          <a:bodyPr rtlCol="0" anchor="ctr" wrap="square"/>
+          <a:lstStyle/>
+          <a:p>
+            <a:pPr algn="ctr">
+              <a:defRPr sz="1100">
+                <a:solidFill>
+                  <a:srgbClr val="BFBFBF"/>
+                </a:solidFill>
+                <a:latin typeface="Calibri"/>
+              </a:defRPr>
+            </a:pPr>
+            <a:r>
+              <a:t>[Patch trend chart placeholder]</a:t>
+            </a:r>
+          </a:p>
+        </p:txBody>
+      </p:sp>
+      <p:sp>
+        <p:nvSpPr>
+          <p:cNvPr id="9" name="footer_bar"/>
           <p:cNvSpPr/>
           <p:nvPr/>
         </p:nvSpPr>
@@ -5274,7 +5328,7 @@
       </p:sp>
       <p:pic>
         <p:nvPicPr>
-          <p:cNvPr id="9" name="Picture 8" descr="mantix4_logo.png"/>
+          <p:cNvPr id="10" name="Picture 9" descr="mantix4_logo.png"/>
           <p:cNvPicPr>
             <a:picLocks noChangeAspect="1"/>
           </p:cNvPicPr>
@@ -5298,7 +5352,7 @@
       </p:pic>
       <p:sp>
         <p:nvSpPr>
-          <p:cNvPr id="10" name="page_number"/>
+          <p:cNvPr id="11" name="page_number"/>
           <p:cNvSpPr txBox="1"/>
           <p:nvPr/>
         </p:nvSpPr>

--- a/templates/mantix4_report_template.pptx
+++ b/templates/mantix4_report_template.pptx
@@ -9825,7 +9825,7 @@
       </p:sp>
       <p:sp>
         <p:nvSpPr>
-          <p:cNvPr id="19" name="stat_analyst_investigations_ring"/>
+          <p:cNvPr id="19" name="stat_soc_tickets_ring"/>
           <p:cNvSpPr/>
           <p:nvPr/>
         </p:nvSpPr>
@@ -9840,7 +9840,7 @@
           <a:noFill/>
           <a:ln w="38100">
             <a:solidFill>
-              <a:srgbClr val="8B008B"/>
+              <a:srgbClr val="4169E1"/>
             </a:solidFill>
           </a:ln>
         </p:spPr>
@@ -9868,7 +9868,7 @@
       </p:sp>
       <p:sp>
         <p:nvSpPr>
-          <p:cNvPr id="20" name="stat_analyst_investigations_value"/>
+          <p:cNvPr id="20" name="stat_soc_tickets_value"/>
           <p:cNvSpPr txBox="1"/>
           <p:nvPr/>
         </p:nvSpPr>
@@ -9902,13 +9902,201 @@
       </p:sp>
       <p:sp>
         <p:nvSpPr>
-          <p:cNvPr id="21" name="stat_analyst_investigations_label"/>
+          <p:cNvPr id="21" name="stat_soc_tickets_label"/>
           <p:cNvSpPr txBox="1"/>
           <p:nvPr/>
         </p:nvSpPr>
         <p:spPr>
           <a:xfrm>
             <a:off x="4892040" y="3749039"/>
+            <a:ext cx="1828800" cy="256032"/>
+          </a:xfrm>
+          <a:prstGeom prst="rect">
+            <a:avLst/>
+          </a:prstGeom>
+          <a:noFill/>
+        </p:spPr>
+        <p:txBody>
+          <a:bodyPr wrap="square" anchor="t"/>
+          <a:lstStyle/>
+          <a:p>
+            <a:pPr algn="ctr">
+              <a:defRPr sz="900" b="1">
+                <a:solidFill>
+                  <a:srgbClr val="4169E1"/>
+                </a:solidFill>
+                <a:latin typeface="Calibri"/>
+              </a:defRPr>
+            </a:pPr>
+            <a:r>
+              <a:t>SOC Tickets</a:t>
+            </a:r>
+          </a:p>
+        </p:txBody>
+      </p:sp>
+      <p:sp>
+        <p:nvSpPr>
+          <p:cNvPr id="22" name="stat_soc_tickets_desc"/>
+          <p:cNvSpPr txBox="1"/>
+          <p:nvPr/>
+        </p:nvSpPr>
+        <p:spPr>
+          <a:xfrm>
+            <a:off x="4965192" y="4005072"/>
+            <a:ext cx="1682496" cy="502920"/>
+          </a:xfrm>
+          <a:prstGeom prst="rect">
+            <a:avLst/>
+          </a:prstGeom>
+          <a:noFill/>
+        </p:spPr>
+        <p:txBody>
+          <a:bodyPr wrap="square" anchor="t"/>
+          <a:lstStyle/>
+          <a:p>
+            <a:pPr algn="ctr">
+              <a:defRPr sz="700" b="0">
+                <a:solidFill>
+                  <a:srgbClr val="1B212C"/>
+                </a:solidFill>
+                <a:latin typeface="Calibri"/>
+              </a:defRPr>
+            </a:pPr>
+            <a:r>
+              <a:t>Tickets generated by the 24x7 SOC involving notable activities requiring confirmation from the client.</a:t>
+            </a:r>
+          </a:p>
+        </p:txBody>
+      </p:sp>
+      <p:sp>
+        <p:nvSpPr>
+          <p:cNvPr id="23" name="Rectangle 22"/>
+          <p:cNvSpPr/>
+          <p:nvPr/>
+        </p:nvSpPr>
+        <p:spPr>
+          <a:xfrm>
+            <a:off x="7086600" y="2743200"/>
+            <a:ext cx="1828800" cy="1828800"/>
+          </a:xfrm>
+          <a:prstGeom prst="rect">
+            <a:avLst/>
+          </a:prstGeom>
+          <a:solidFill>
+            <a:srgbClr val="D6DBDF"/>
+          </a:solidFill>
+          <a:ln>
+            <a:noFill/>
+          </a:ln>
+        </p:spPr>
+        <p:style>
+          <a:lnRef idx="1">
+            <a:schemeClr val="accent1"/>
+          </a:lnRef>
+          <a:fillRef idx="3">
+            <a:schemeClr val="accent1"/>
+          </a:fillRef>
+          <a:effectRef idx="2">
+            <a:schemeClr val="accent1"/>
+          </a:effectRef>
+          <a:fontRef idx="minor">
+            <a:schemeClr val="lt1"/>
+          </a:fontRef>
+        </p:style>
+        <p:txBody>
+          <a:bodyPr rtlCol="0" anchor="ctr"/>
+          <a:lstStyle/>
+          <a:p>
+            <a:pPr algn="ctr"/>
+          </a:p>
+        </p:txBody>
+      </p:sp>
+      <p:sp>
+        <p:nvSpPr>
+          <p:cNvPr id="24" name="stat_analyst_investigations_ring"/>
+          <p:cNvSpPr/>
+          <p:nvPr/>
+        </p:nvSpPr>
+        <p:spPr>
+          <a:xfrm>
+            <a:off x="7566660" y="2852928"/>
+            <a:ext cx="868680" cy="868680"/>
+          </a:xfrm>
+          <a:prstGeom prst="ellipse">
+            <a:avLst/>
+          </a:prstGeom>
+          <a:noFill/>
+          <a:ln w="38100">
+            <a:solidFill>
+              <a:srgbClr val="8B008B"/>
+            </a:solidFill>
+          </a:ln>
+        </p:spPr>
+        <p:style>
+          <a:lnRef idx="1">
+            <a:schemeClr val="accent1"/>
+          </a:lnRef>
+          <a:fillRef idx="3">
+            <a:schemeClr val="accent1"/>
+          </a:fillRef>
+          <a:effectRef idx="2">
+            <a:schemeClr val="accent1"/>
+          </a:effectRef>
+          <a:fontRef idx="minor">
+            <a:schemeClr val="lt1"/>
+          </a:fontRef>
+        </p:style>
+        <p:txBody>
+          <a:bodyPr rtlCol="0" anchor="ctr"/>
+          <a:lstStyle/>
+          <a:p>
+            <a:pPr algn="ctr"/>
+          </a:p>
+        </p:txBody>
+      </p:sp>
+      <p:sp>
+        <p:nvSpPr>
+          <p:cNvPr id="25" name="stat_analyst_investigations_value"/>
+          <p:cNvSpPr txBox="1"/>
+          <p:nvPr/>
+        </p:nvSpPr>
+        <p:spPr>
+          <a:xfrm>
+            <a:off x="7086600" y="3017520"/>
+            <a:ext cx="1828800" cy="502920"/>
+          </a:xfrm>
+          <a:prstGeom prst="rect">
+            <a:avLst/>
+          </a:prstGeom>
+          <a:noFill/>
+        </p:spPr>
+        <p:txBody>
+          <a:bodyPr wrap="square" anchor="ctr"/>
+          <a:lstStyle/>
+          <a:p>
+            <a:pPr algn="ctr">
+              <a:defRPr sz="1300" b="1">
+                <a:solidFill>
+                  <a:srgbClr val="1B212C"/>
+                </a:solidFill>
+                <a:latin typeface="Calibri"/>
+              </a:defRPr>
+            </a:pPr>
+            <a:r>
+              <a:t>[Count]</a:t>
+            </a:r>
+          </a:p>
+        </p:txBody>
+      </p:sp>
+      <p:sp>
+        <p:nvSpPr>
+          <p:cNvPr id="26" name="stat_analyst_investigations_label"/>
+          <p:cNvSpPr txBox="1"/>
+          <p:nvPr/>
+        </p:nvSpPr>
+        <p:spPr>
+          <a:xfrm>
+            <a:off x="7086600" y="3749039"/>
             <a:ext cx="1828800" cy="256032"/>
           </a:xfrm>
           <a:prstGeom prst="rect">
@@ -9936,13 +10124,13 @@
       </p:sp>
       <p:sp>
         <p:nvSpPr>
-          <p:cNvPr id="22" name="stat_analyst_investigations_desc"/>
+          <p:cNvPr id="27" name="stat_analyst_investigations_desc"/>
           <p:cNvSpPr txBox="1"/>
           <p:nvPr/>
         </p:nvSpPr>
         <p:spPr>
           <a:xfrm>
-            <a:off x="4965192" y="4005072"/>
+            <a:off x="7159752" y="4005072"/>
             <a:ext cx="1682496" cy="502920"/>
           </a:xfrm>
           <a:prstGeom prst="rect">
@@ -9964,194 +10152,6 @@
             </a:pPr>
             <a:r>
               <a:t>Investigative actions, including deeper analysis of contextual sources (e.g. DFIR).</a:t>
-            </a:r>
-          </a:p>
-        </p:txBody>
-      </p:sp>
-      <p:sp>
-        <p:nvSpPr>
-          <p:cNvPr id="23" name="Rectangle 22"/>
-          <p:cNvSpPr/>
-          <p:nvPr/>
-        </p:nvSpPr>
-        <p:spPr>
-          <a:xfrm>
-            <a:off x="7086600" y="2743200"/>
-            <a:ext cx="1828800" cy="1828800"/>
-          </a:xfrm>
-          <a:prstGeom prst="rect">
-            <a:avLst/>
-          </a:prstGeom>
-          <a:solidFill>
-            <a:srgbClr val="D6DBDF"/>
-          </a:solidFill>
-          <a:ln>
-            <a:noFill/>
-          </a:ln>
-        </p:spPr>
-        <p:style>
-          <a:lnRef idx="1">
-            <a:schemeClr val="accent1"/>
-          </a:lnRef>
-          <a:fillRef idx="3">
-            <a:schemeClr val="accent1"/>
-          </a:fillRef>
-          <a:effectRef idx="2">
-            <a:schemeClr val="accent1"/>
-          </a:effectRef>
-          <a:fontRef idx="minor">
-            <a:schemeClr val="lt1"/>
-          </a:fontRef>
-        </p:style>
-        <p:txBody>
-          <a:bodyPr rtlCol="0" anchor="ctr"/>
-          <a:lstStyle/>
-          <a:p>
-            <a:pPr algn="ctr"/>
-          </a:p>
-        </p:txBody>
-      </p:sp>
-      <p:sp>
-        <p:nvSpPr>
-          <p:cNvPr id="24" name="stat_soc_tickets_ring"/>
-          <p:cNvSpPr/>
-          <p:nvPr/>
-        </p:nvSpPr>
-        <p:spPr>
-          <a:xfrm>
-            <a:off x="7566660" y="2852928"/>
-            <a:ext cx="868680" cy="868680"/>
-          </a:xfrm>
-          <a:prstGeom prst="ellipse">
-            <a:avLst/>
-          </a:prstGeom>
-          <a:noFill/>
-          <a:ln w="38100">
-            <a:solidFill>
-              <a:srgbClr val="4169E1"/>
-            </a:solidFill>
-          </a:ln>
-        </p:spPr>
-        <p:style>
-          <a:lnRef idx="1">
-            <a:schemeClr val="accent1"/>
-          </a:lnRef>
-          <a:fillRef idx="3">
-            <a:schemeClr val="accent1"/>
-          </a:fillRef>
-          <a:effectRef idx="2">
-            <a:schemeClr val="accent1"/>
-          </a:effectRef>
-          <a:fontRef idx="minor">
-            <a:schemeClr val="lt1"/>
-          </a:fontRef>
-        </p:style>
-        <p:txBody>
-          <a:bodyPr rtlCol="0" anchor="ctr"/>
-          <a:lstStyle/>
-          <a:p>
-            <a:pPr algn="ctr"/>
-          </a:p>
-        </p:txBody>
-      </p:sp>
-      <p:sp>
-        <p:nvSpPr>
-          <p:cNvPr id="25" name="stat_soc_tickets_value"/>
-          <p:cNvSpPr txBox="1"/>
-          <p:nvPr/>
-        </p:nvSpPr>
-        <p:spPr>
-          <a:xfrm>
-            <a:off x="7086600" y="3017520"/>
-            <a:ext cx="1828800" cy="502920"/>
-          </a:xfrm>
-          <a:prstGeom prst="rect">
-            <a:avLst/>
-          </a:prstGeom>
-          <a:noFill/>
-        </p:spPr>
-        <p:txBody>
-          <a:bodyPr wrap="square" anchor="ctr"/>
-          <a:lstStyle/>
-          <a:p>
-            <a:pPr algn="ctr">
-              <a:defRPr sz="1300" b="1">
-                <a:solidFill>
-                  <a:srgbClr val="1B212C"/>
-                </a:solidFill>
-                <a:latin typeface="Calibri"/>
-              </a:defRPr>
-            </a:pPr>
-            <a:r>
-              <a:t>[Count]</a:t>
-            </a:r>
-          </a:p>
-        </p:txBody>
-      </p:sp>
-      <p:sp>
-        <p:nvSpPr>
-          <p:cNvPr id="26" name="stat_soc_tickets_label"/>
-          <p:cNvSpPr txBox="1"/>
-          <p:nvPr/>
-        </p:nvSpPr>
-        <p:spPr>
-          <a:xfrm>
-            <a:off x="7086600" y="3749039"/>
-            <a:ext cx="1828800" cy="256032"/>
-          </a:xfrm>
-          <a:prstGeom prst="rect">
-            <a:avLst/>
-          </a:prstGeom>
-          <a:noFill/>
-        </p:spPr>
-        <p:txBody>
-          <a:bodyPr wrap="square" anchor="t"/>
-          <a:lstStyle/>
-          <a:p>
-            <a:pPr algn="ctr">
-              <a:defRPr sz="900" b="1">
-                <a:solidFill>
-                  <a:srgbClr val="4169E1"/>
-                </a:solidFill>
-                <a:latin typeface="Calibri"/>
-              </a:defRPr>
-            </a:pPr>
-            <a:r>
-              <a:t>SOC Tickets</a:t>
-            </a:r>
-          </a:p>
-        </p:txBody>
-      </p:sp>
-      <p:sp>
-        <p:nvSpPr>
-          <p:cNvPr id="27" name="stat_soc_tickets_desc"/>
-          <p:cNvSpPr txBox="1"/>
-          <p:nvPr/>
-        </p:nvSpPr>
-        <p:spPr>
-          <a:xfrm>
-            <a:off x="7159752" y="4005072"/>
-            <a:ext cx="1682496" cy="502920"/>
-          </a:xfrm>
-          <a:prstGeom prst="rect">
-            <a:avLst/>
-          </a:prstGeom>
-          <a:noFill/>
-        </p:spPr>
-        <p:txBody>
-          <a:bodyPr wrap="square" anchor="t"/>
-          <a:lstStyle/>
-          <a:p>
-            <a:pPr algn="ctr">
-              <a:defRPr sz="700" b="0">
-                <a:solidFill>
-                  <a:srgbClr val="1B212C"/>
-                </a:solidFill>
-                <a:latin typeface="Calibri"/>
-              </a:defRPr>
-            </a:pPr>
-            <a:r>
-              <a:t>Tickets generated by the 24x7 SOC involving notable activities requiring confirmation from the client.</a:t>
             </a:r>
           </a:p>
         </p:txBody>
@@ -10244,7 +10244,7 @@
           </a:prstGeom>
           <a:ln w="38100">
             <a:solidFill>
-              <a:srgbClr val="4169E1"/>
+              <a:srgbClr val="8B008B"/>
             </a:solidFill>
             <a:tailEnd type="triangle"/>
           </a:ln>
